--- a/Presentation.pptx
+++ b/Presentation.pptx
@@ -6,15 +6,16 @@
   </p:sldMasterIdLst>
   <p:sldIdLst>
     <p:sldId id="256" r:id="rId2"/>
-    <p:sldId id="258" r:id="rId3"/>
-    <p:sldId id="257" r:id="rId4"/>
-    <p:sldId id="259" r:id="rId5"/>
-    <p:sldId id="260" r:id="rId6"/>
-    <p:sldId id="261" r:id="rId7"/>
-    <p:sldId id="262" r:id="rId8"/>
-    <p:sldId id="263" r:id="rId9"/>
-    <p:sldId id="264" r:id="rId10"/>
-    <p:sldId id="265" r:id="rId11"/>
+    <p:sldId id="266" r:id="rId3"/>
+    <p:sldId id="258" r:id="rId4"/>
+    <p:sldId id="257" r:id="rId5"/>
+    <p:sldId id="259" r:id="rId6"/>
+    <p:sldId id="260" r:id="rId7"/>
+    <p:sldId id="261" r:id="rId8"/>
+    <p:sldId id="262" r:id="rId9"/>
+    <p:sldId id="263" r:id="rId10"/>
+    <p:sldId id="264" r:id="rId11"/>
+    <p:sldId id="265" r:id="rId12"/>
   </p:sldIdLst>
   <p:sldSz cx="12192000" cy="6858000"/>
   <p:notesSz cx="6858000" cy="9144000"/>
@@ -5884,6 +5885,115 @@
           <p:cNvPr id="2" name="Title 1">
             <a:extLst>
               <a:ext uri="{FF2B5EF4-FFF2-40B4-BE49-F238E27FC236}">
+                <a16:creationId xmlns:a16="http://schemas.microsoft.com/office/drawing/2014/main" id="{864BABE2-33AA-5A20-3D6B-86ACB5FE34A1}"/>
+              </a:ext>
+            </a:extLst>
+          </p:cNvPr>
+          <p:cNvSpPr>
+            <a:spLocks noGrp="1"/>
+          </p:cNvSpPr>
+          <p:nvPr>
+            <p:ph type="title"/>
+          </p:nvPr>
+        </p:nvSpPr>
+        <p:spPr/>
+        <p:txBody>
+          <a:bodyPr/>
+          <a:lstStyle/>
+          <a:p>
+            <a:r>
+              <a:rPr lang="en-US" dirty="0">
+                <a:solidFill>
+                  <a:schemeClr val="tx1"/>
+                </a:solidFill>
+              </a:rPr>
+              <a:t>Why Zod</a:t>
+            </a:r>
+          </a:p>
+        </p:txBody>
+      </p:sp>
+      <p:sp>
+        <p:nvSpPr>
+          <p:cNvPr id="3" name="Content Placeholder 2">
+            <a:extLst>
+              <a:ext uri="{FF2B5EF4-FFF2-40B4-BE49-F238E27FC236}">
+                <a16:creationId xmlns:a16="http://schemas.microsoft.com/office/drawing/2014/main" id="{66482476-E278-44B5-FB7C-FFE2E87592F2}"/>
+              </a:ext>
+            </a:extLst>
+          </p:cNvPr>
+          <p:cNvSpPr>
+            <a:spLocks noGrp="1"/>
+          </p:cNvSpPr>
+          <p:nvPr>
+            <p:ph idx="1"/>
+          </p:nvPr>
+        </p:nvSpPr>
+        <p:spPr/>
+        <p:txBody>
+          <a:bodyPr/>
+          <a:lstStyle/>
+          <a:p>
+            <a:r>
+              <a:rPr lang="en-US" dirty="0"/>
+              <a:t>Runtime Script Validation for TypeScript</a:t>
+            </a:r>
+          </a:p>
+          <a:p>
+            <a:r>
+              <a:rPr lang="en-US" dirty="0"/>
+              <a:t>Very Useful for APIs to safely know what object an API is expecting and outputting</a:t>
+            </a:r>
+          </a:p>
+          <a:p>
+            <a:r>
+              <a:rPr lang="en-US" dirty="0" err="1"/>
+              <a:t>SafeParse</a:t>
+            </a:r>
+            <a:r>
+              <a:rPr lang="en-US" dirty="0"/>
+              <a:t>() – allows to query or get an object without handling an error. Shall Return 400</a:t>
+            </a:r>
+          </a:p>
+          <a:p>
+            <a:endParaRPr lang="en-US" dirty="0"/>
+          </a:p>
+        </p:txBody>
+      </p:sp>
+    </p:spTree>
+    <p:extLst>
+      <p:ext uri="{BB962C8B-B14F-4D97-AF65-F5344CB8AC3E}">
+        <p14:creationId xmlns:p14="http://schemas.microsoft.com/office/powerpoint/2010/main" val="3060156388"/>
+      </p:ext>
+    </p:extLst>
+  </p:cSld>
+  <p:clrMapOvr>
+    <a:masterClrMapping/>
+  </p:clrMapOvr>
+</p:sld>
+</file>
+
+<file path=ppt/slides/slide11.xml><?xml version="1.0" encoding="utf-8"?>
+<p:sld xmlns:a="http://schemas.openxmlformats.org/drawingml/2006/main" xmlns:r="http://schemas.openxmlformats.org/officeDocument/2006/relationships" xmlns:p="http://schemas.openxmlformats.org/presentationml/2006/main">
+  <p:cSld>
+    <p:spTree>
+      <p:nvGrpSpPr>
+        <p:cNvPr id="1" name=""/>
+        <p:cNvGrpSpPr/>
+        <p:nvPr/>
+      </p:nvGrpSpPr>
+      <p:grpSpPr>
+        <a:xfrm>
+          <a:off x="0" y="0"/>
+          <a:ext cx="0" cy="0"/>
+          <a:chOff x="0" y="0"/>
+          <a:chExt cx="0" cy="0"/>
+        </a:xfrm>
+      </p:grpSpPr>
+      <p:sp>
+        <p:nvSpPr>
+          <p:cNvPr id="2" name="Title 1">
+            <a:extLst>
+              <a:ext uri="{FF2B5EF4-FFF2-40B4-BE49-F238E27FC236}">
                 <a16:creationId xmlns:a16="http://schemas.microsoft.com/office/drawing/2014/main" id="{ABC83381-891B-A834-F167-8C6F60A34A01}"/>
               </a:ext>
             </a:extLst>
@@ -6008,7 +6118,7 @@
           <p:cNvPr id="2" name="Title 1">
             <a:extLst>
               <a:ext uri="{FF2B5EF4-FFF2-40B4-BE49-F238E27FC236}">
-                <a16:creationId xmlns:a16="http://schemas.microsoft.com/office/drawing/2014/main" id="{4CD4DE9E-A7D8-0912-9210-0CBFE2A100E6}"/>
+                <a16:creationId xmlns:a16="http://schemas.microsoft.com/office/drawing/2014/main" id="{8704531A-10AC-BE6F-03A4-ABC95CD5B7DC}"/>
               </a:ext>
             </a:extLst>
           </p:cNvPr>
@@ -6021,8 +6131,8 @@
         </p:nvSpPr>
         <p:spPr>
           <a:xfrm>
-            <a:off x="4432240" y="3042455"/>
-            <a:ext cx="3327519" cy="773090"/>
+            <a:off x="2717914" y="3029465"/>
+            <a:ext cx="6756172" cy="799070"/>
           </a:xfrm>
         </p:spPr>
         <p:txBody>
@@ -6037,7 +6147,7 @@
                   <a:schemeClr val="tx1"/>
                 </a:solidFill>
               </a:rPr>
-              <a:t>App Demo</a:t>
+              <a:t>Assignment Overview</a:t>
             </a:r>
           </a:p>
         </p:txBody>
@@ -6045,7 +6155,7 @@
     </p:spTree>
     <p:extLst>
       <p:ext uri="{BB962C8B-B14F-4D97-AF65-F5344CB8AC3E}">
-        <p14:creationId xmlns:p14="http://schemas.microsoft.com/office/powerpoint/2010/main" val="1230062489"/>
+        <p14:creationId xmlns:p14="http://schemas.microsoft.com/office/powerpoint/2010/main" val="970316916"/>
       </p:ext>
     </p:extLst>
   </p:cSld>
@@ -6074,35 +6184,39 @@
       </p:grpSpPr>
       <p:sp>
         <p:nvSpPr>
-          <p:cNvPr id="4" name="TextBox 3">
+          <p:cNvPr id="2" name="Title 1">
             <a:extLst>
               <a:ext uri="{FF2B5EF4-FFF2-40B4-BE49-F238E27FC236}">
-                <a16:creationId xmlns:a16="http://schemas.microsoft.com/office/drawing/2014/main" id="{7BD58C18-6E66-A174-F0FD-EEE3A6E7BA6D}"/>
+                <a16:creationId xmlns:a16="http://schemas.microsoft.com/office/drawing/2014/main" id="{4CD4DE9E-A7D8-0912-9210-0CBFE2A100E6}"/>
               </a:ext>
             </a:extLst>
           </p:cNvPr>
-          <p:cNvSpPr txBox="1"/>
-          <p:nvPr/>
+          <p:cNvSpPr>
+            <a:spLocks noGrp="1"/>
+          </p:cNvSpPr>
+          <p:nvPr>
+            <p:ph type="title"/>
+          </p:nvPr>
         </p:nvSpPr>
         <p:spPr>
           <a:xfrm>
-            <a:off x="3401145" y="2998113"/>
-            <a:ext cx="5389710" cy="861774"/>
+            <a:off x="4432240" y="3042455"/>
+            <a:ext cx="3327519" cy="773090"/>
           </a:xfrm>
-          <a:prstGeom prst="rect">
-            <a:avLst/>
-          </a:prstGeom>
-          <a:noFill/>
         </p:spPr>
         <p:txBody>
-          <a:bodyPr wrap="square" rtlCol="0">
-            <a:spAutoFit/>
+          <a:bodyPr>
+            <a:noAutofit/>
           </a:bodyPr>
           <a:lstStyle/>
           <a:p>
             <a:r>
-              <a:rPr lang="en-US" sz="5000" dirty="0"/>
-              <a:t>Code Walkthrough </a:t>
+              <a:rPr lang="en-US" sz="5000" dirty="0">
+                <a:solidFill>
+                  <a:schemeClr val="tx1"/>
+                </a:solidFill>
+              </a:rPr>
+              <a:t>App Demo</a:t>
             </a:r>
           </a:p>
         </p:txBody>
@@ -6110,7 +6224,7 @@
     </p:spTree>
     <p:extLst>
       <p:ext uri="{BB962C8B-B14F-4D97-AF65-F5344CB8AC3E}">
-        <p14:creationId xmlns:p14="http://schemas.microsoft.com/office/powerpoint/2010/main" val="3431083533"/>
+        <p14:creationId xmlns:p14="http://schemas.microsoft.com/office/powerpoint/2010/main" val="1230062489"/>
       </p:ext>
     </p:extLst>
   </p:cSld>
@@ -6139,39 +6253,35 @@
       </p:grpSpPr>
       <p:sp>
         <p:nvSpPr>
-          <p:cNvPr id="2" name="Title 1">
+          <p:cNvPr id="4" name="TextBox 3">
             <a:extLst>
               <a:ext uri="{FF2B5EF4-FFF2-40B4-BE49-F238E27FC236}">
-                <a16:creationId xmlns:a16="http://schemas.microsoft.com/office/drawing/2014/main" id="{9DB669EC-E1D5-B53F-6A68-C98F52017A07}"/>
+                <a16:creationId xmlns:a16="http://schemas.microsoft.com/office/drawing/2014/main" id="{7BD58C18-6E66-A174-F0FD-EEE3A6E7BA6D}"/>
               </a:ext>
             </a:extLst>
           </p:cNvPr>
-          <p:cNvSpPr>
-            <a:spLocks noGrp="1"/>
-          </p:cNvSpPr>
-          <p:nvPr>
-            <p:ph type="title"/>
-          </p:nvPr>
+          <p:cNvSpPr txBox="1"/>
+          <p:nvPr/>
         </p:nvSpPr>
         <p:spPr>
           <a:xfrm>
-            <a:off x="3646391" y="2948188"/>
-            <a:ext cx="4899218" cy="961623"/>
+            <a:off x="3401145" y="2998113"/>
+            <a:ext cx="5389710" cy="861774"/>
           </a:xfrm>
+          <a:prstGeom prst="rect">
+            <a:avLst/>
+          </a:prstGeom>
+          <a:noFill/>
         </p:spPr>
         <p:txBody>
-          <a:bodyPr>
-            <a:normAutofit/>
+          <a:bodyPr wrap="square" rtlCol="0">
+            <a:spAutoFit/>
           </a:bodyPr>
           <a:lstStyle/>
           <a:p>
             <a:r>
-              <a:rPr lang="en-US" sz="5000" dirty="0">
-                <a:solidFill>
-                  <a:schemeClr val="tx1"/>
-                </a:solidFill>
-              </a:rPr>
-              <a:t>Design Decisions</a:t>
+              <a:rPr lang="en-US" sz="5000" dirty="0"/>
+              <a:t>Code Walkthrough </a:t>
             </a:r>
           </a:p>
         </p:txBody>
@@ -6179,7 +6289,7 @@
     </p:spTree>
     <p:extLst>
       <p:ext uri="{BB962C8B-B14F-4D97-AF65-F5344CB8AC3E}">
-        <p14:creationId xmlns:p14="http://schemas.microsoft.com/office/powerpoint/2010/main" val="2401119924"/>
+        <p14:creationId xmlns:p14="http://schemas.microsoft.com/office/powerpoint/2010/main" val="3431083533"/>
       </p:ext>
     </p:extLst>
   </p:cSld>
@@ -6211,7 +6321,7 @@
           <p:cNvPr id="2" name="Title 1">
             <a:extLst>
               <a:ext uri="{FF2B5EF4-FFF2-40B4-BE49-F238E27FC236}">
-                <a16:creationId xmlns:a16="http://schemas.microsoft.com/office/drawing/2014/main" id="{33CFFDFA-8CD9-EF60-CE8D-5F353F9784E0}"/>
+                <a16:creationId xmlns:a16="http://schemas.microsoft.com/office/drawing/2014/main" id="{9DB669EC-E1D5-B53F-6A68-C98F52017A07}"/>
               </a:ext>
             </a:extLst>
           </p:cNvPr>
@@ -6222,72 +6332,25 @@
             <p:ph type="title"/>
           </p:nvPr>
         </p:nvSpPr>
-        <p:spPr/>
-        <p:txBody>
-          <a:bodyPr/>
-          <a:lstStyle/>
-          <a:p>
-            <a:r>
-              <a:rPr lang="en-US" dirty="0">
+        <p:spPr>
+          <a:xfrm>
+            <a:off x="3646391" y="2948188"/>
+            <a:ext cx="4899218" cy="961623"/>
+          </a:xfrm>
+        </p:spPr>
+        <p:txBody>
+          <a:bodyPr>
+            <a:normAutofit/>
+          </a:bodyPr>
+          <a:lstStyle/>
+          <a:p>
+            <a:r>
+              <a:rPr lang="en-US" sz="5000" dirty="0">
                 <a:solidFill>
                   <a:schemeClr val="tx1"/>
                 </a:solidFill>
               </a:rPr>
-              <a:t>Why </a:t>
-            </a:r>
-            <a:r>
-              <a:rPr lang="en-US" dirty="0" err="1">
-                <a:solidFill>
-                  <a:schemeClr val="tx1"/>
-                </a:solidFill>
-              </a:rPr>
-              <a:t>tRPC</a:t>
-            </a:r>
-            <a:endParaRPr lang="en-US" dirty="0">
-              <a:solidFill>
-                <a:schemeClr val="tx1"/>
-              </a:solidFill>
-            </a:endParaRPr>
-          </a:p>
-        </p:txBody>
-      </p:sp>
-      <p:sp>
-        <p:nvSpPr>
-          <p:cNvPr id="3" name="Content Placeholder 2">
-            <a:extLst>
-              <a:ext uri="{FF2B5EF4-FFF2-40B4-BE49-F238E27FC236}">
-                <a16:creationId xmlns:a16="http://schemas.microsoft.com/office/drawing/2014/main" id="{0BE8BA33-4530-FFF2-7F52-155E0E2E4FF3}"/>
-              </a:ext>
-            </a:extLst>
-          </p:cNvPr>
-          <p:cNvSpPr>
-            <a:spLocks noGrp="1"/>
-          </p:cNvSpPr>
-          <p:nvPr>
-            <p:ph idx="1"/>
-          </p:nvPr>
-        </p:nvSpPr>
-        <p:spPr/>
-        <p:txBody>
-          <a:bodyPr/>
-          <a:lstStyle/>
-          <a:p>
-            <a:r>
-              <a:rPr lang="en-US" dirty="0" err="1"/>
-              <a:t>TypeSafe</a:t>
-            </a:r>
-            <a:endParaRPr lang="en-US" dirty="0"/>
-          </a:p>
-          <a:p>
-            <a:r>
-              <a:rPr lang="en-US" dirty="0"/>
-              <a:t>Integration with Zod</a:t>
-            </a:r>
-          </a:p>
-          <a:p>
-            <a:r>
-              <a:rPr lang="en-US" dirty="0"/>
-              <a:t>Intuitive </a:t>
+              <a:t>Design Decisions</a:t>
             </a:r>
           </a:p>
         </p:txBody>
@@ -6295,7 +6358,7 @@
     </p:spTree>
     <p:extLst>
       <p:ext uri="{BB962C8B-B14F-4D97-AF65-F5344CB8AC3E}">
-        <p14:creationId xmlns:p14="http://schemas.microsoft.com/office/powerpoint/2010/main" val="1369781199"/>
+        <p14:creationId xmlns:p14="http://schemas.microsoft.com/office/powerpoint/2010/main" val="2401119924"/>
       </p:ext>
     </p:extLst>
   </p:cSld>
@@ -6327,7 +6390,7 @@
           <p:cNvPr id="2" name="Title 1">
             <a:extLst>
               <a:ext uri="{FF2B5EF4-FFF2-40B4-BE49-F238E27FC236}">
-                <a16:creationId xmlns:a16="http://schemas.microsoft.com/office/drawing/2014/main" id="{71F56467-046E-55CC-7452-21142AD8A48D}"/>
+                <a16:creationId xmlns:a16="http://schemas.microsoft.com/office/drawing/2014/main" id="{33CFFDFA-8CD9-EF60-CE8D-5F353F9784E0}"/>
               </a:ext>
             </a:extLst>
           </p:cNvPr>
@@ -6357,7 +6420,7 @@
                   <a:schemeClr val="tx1"/>
                 </a:solidFill>
               </a:rPr>
-              <a:t>TypeSafe</a:t>
+              <a:t>tRPC</a:t>
             </a:r>
             <a:endParaRPr lang="en-US" dirty="0">
               <a:solidFill>
@@ -6372,7 +6435,7 @@
           <p:cNvPr id="3" name="Content Placeholder 2">
             <a:extLst>
               <a:ext uri="{FF2B5EF4-FFF2-40B4-BE49-F238E27FC236}">
-                <a16:creationId xmlns:a16="http://schemas.microsoft.com/office/drawing/2014/main" id="{AC24B5EE-917F-0112-3562-F78766C3FE77}"/>
+                <a16:creationId xmlns:a16="http://schemas.microsoft.com/office/drawing/2014/main" id="{0BE8BA33-4530-FFF2-7F52-155E0E2E4FF3}"/>
               </a:ext>
             </a:extLst>
           </p:cNvPr>
@@ -6389,25 +6452,21 @@
           <a:lstStyle/>
           <a:p>
             <a:r>
+              <a:rPr lang="en-US" dirty="0" err="1"/>
+              <a:t>TypeSafe</a:t>
+            </a:r>
+            <a:endParaRPr lang="en-US" dirty="0"/>
+          </a:p>
+          <a:p>
+            <a:r>
               <a:rPr lang="en-US" dirty="0"/>
-              <a:t>Developer Productivity</a:t>
+              <a:t>Integration with Zod</a:t>
             </a:r>
           </a:p>
           <a:p>
             <a:r>
               <a:rPr lang="en-US" dirty="0"/>
-              <a:t>Always know what object you are </a:t>
-            </a:r>
-            <a:r>
-              <a:rPr lang="en-US" dirty="0" err="1"/>
-              <a:t>recieving</a:t>
-            </a:r>
-            <a:endParaRPr lang="en-US" dirty="0"/>
-          </a:p>
-          <a:p>
-            <a:r>
-              <a:rPr lang="en-US" dirty="0"/>
-              <a:t>Quicker Error Validation on IDEs</a:t>
+              <a:t>Intuitive </a:t>
             </a:r>
           </a:p>
         </p:txBody>
@@ -6415,7 +6474,7 @@
     </p:spTree>
     <p:extLst>
       <p:ext uri="{BB962C8B-B14F-4D97-AF65-F5344CB8AC3E}">
-        <p14:creationId xmlns:p14="http://schemas.microsoft.com/office/powerpoint/2010/main" val="1955823966"/>
+        <p14:creationId xmlns:p14="http://schemas.microsoft.com/office/powerpoint/2010/main" val="1369781199"/>
       </p:ext>
     </p:extLst>
   </p:cSld>
@@ -6447,7 +6506,7 @@
           <p:cNvPr id="2" name="Title 1">
             <a:extLst>
               <a:ext uri="{FF2B5EF4-FFF2-40B4-BE49-F238E27FC236}">
-                <a16:creationId xmlns:a16="http://schemas.microsoft.com/office/drawing/2014/main" id="{E77AAF0F-55B6-54FF-1FEF-71BA1CBE232A}"/>
+                <a16:creationId xmlns:a16="http://schemas.microsoft.com/office/drawing/2014/main" id="{71F56467-046E-55CC-7452-21142AD8A48D}"/>
               </a:ext>
             </a:extLst>
           </p:cNvPr>
@@ -6477,7 +6536,7 @@
                   <a:schemeClr val="tx1"/>
                 </a:solidFill>
               </a:rPr>
-              <a:t>Next.js</a:t>
+              <a:t>TypeSafe</a:t>
             </a:r>
             <a:endParaRPr lang="en-US" dirty="0">
               <a:solidFill>
@@ -6492,7 +6551,7 @@
           <p:cNvPr id="3" name="Content Placeholder 2">
             <a:extLst>
               <a:ext uri="{FF2B5EF4-FFF2-40B4-BE49-F238E27FC236}">
-                <a16:creationId xmlns:a16="http://schemas.microsoft.com/office/drawing/2014/main" id="{8E97F1AB-CFCF-EB09-11D2-148A3CB71A1C}"/>
+                <a16:creationId xmlns:a16="http://schemas.microsoft.com/office/drawing/2014/main" id="{AC24B5EE-917F-0112-3562-F78766C3FE77}"/>
               </a:ext>
             </a:extLst>
           </p:cNvPr>
@@ -6510,25 +6569,24 @@
           <a:p>
             <a:r>
               <a:rPr lang="en-US" dirty="0"/>
-              <a:t>Better SEO for Web Crawlers </a:t>
+              <a:t>Developer Productivity</a:t>
             </a:r>
           </a:p>
           <a:p>
             <a:r>
               <a:rPr lang="en-US" dirty="0"/>
-              <a:t>Built-in Server </a:t>
-            </a:r>
+              <a:t>Always know what object you are </a:t>
+            </a:r>
+            <a:r>
+              <a:rPr lang="en-US" dirty="0" err="1"/>
+              <a:t>recieving</a:t>
+            </a:r>
+            <a:endParaRPr lang="en-US" dirty="0"/>
           </a:p>
           <a:p>
             <a:r>
               <a:rPr lang="en-US" dirty="0"/>
-              <a:t>Server-Side Rendering to store static web pages</a:t>
-            </a:r>
-          </a:p>
-          <a:p>
-            <a:r>
-              <a:rPr lang="en-US" dirty="0"/>
-              <a:t>React Familiarity</a:t>
+              <a:t>Quicker Error Validation on IDEs</a:t>
             </a:r>
           </a:p>
         </p:txBody>
@@ -6536,7 +6594,7 @@
     </p:spTree>
     <p:extLst>
       <p:ext uri="{BB962C8B-B14F-4D97-AF65-F5344CB8AC3E}">
-        <p14:creationId xmlns:p14="http://schemas.microsoft.com/office/powerpoint/2010/main" val="205826210"/>
+        <p14:creationId xmlns:p14="http://schemas.microsoft.com/office/powerpoint/2010/main" val="1955823966"/>
       </p:ext>
     </p:extLst>
   </p:cSld>
@@ -6568,7 +6626,7 @@
           <p:cNvPr id="2" name="Title 1">
             <a:extLst>
               <a:ext uri="{FF2B5EF4-FFF2-40B4-BE49-F238E27FC236}">
-                <a16:creationId xmlns:a16="http://schemas.microsoft.com/office/drawing/2014/main" id="{BFF349D8-8A73-6EAE-1FBF-CFC5D5C54A32}"/>
+                <a16:creationId xmlns:a16="http://schemas.microsoft.com/office/drawing/2014/main" id="{E77AAF0F-55B6-54FF-1FEF-71BA1CBE232A}"/>
               </a:ext>
             </a:extLst>
           </p:cNvPr>
@@ -6590,8 +6648,21 @@
                   <a:schemeClr val="tx1"/>
                 </a:solidFill>
               </a:rPr>
-              <a:t>Why Prisma</a:t>
-            </a:r>
+              <a:t>Why </a:t>
+            </a:r>
+            <a:r>
+              <a:rPr lang="en-US" dirty="0" err="1">
+                <a:solidFill>
+                  <a:schemeClr val="tx1"/>
+                </a:solidFill>
+              </a:rPr>
+              <a:t>Next.js</a:t>
+            </a:r>
+            <a:endParaRPr lang="en-US" dirty="0">
+              <a:solidFill>
+                <a:schemeClr val="tx1"/>
+              </a:solidFill>
+            </a:endParaRPr>
           </a:p>
         </p:txBody>
       </p:sp>
@@ -6600,7 +6671,7 @@
           <p:cNvPr id="3" name="Content Placeholder 2">
             <a:extLst>
               <a:ext uri="{FF2B5EF4-FFF2-40B4-BE49-F238E27FC236}">
-                <a16:creationId xmlns:a16="http://schemas.microsoft.com/office/drawing/2014/main" id="{EF1DE37F-CC33-947A-CD29-B0214495BF32}"/>
+                <a16:creationId xmlns:a16="http://schemas.microsoft.com/office/drawing/2014/main" id="{8E97F1AB-CFCF-EB09-11D2-148A3CB71A1C}"/>
               </a:ext>
             </a:extLst>
           </p:cNvPr>
@@ -6618,28 +6689,33 @@
           <a:p>
             <a:r>
               <a:rPr lang="en-US" dirty="0"/>
-              <a:t>Continue using an Object Oriented Paradigm</a:t>
+              <a:t>Better SEO for Web Crawlers </a:t>
             </a:r>
           </a:p>
           <a:p>
             <a:r>
               <a:rPr lang="en-US" dirty="0"/>
-              <a:t>Single Source of Truth</a:t>
-            </a:r>
-          </a:p>
-          <a:p>
-            <a:r>
-              <a:rPr lang="en-US" dirty="0" err="1"/>
-              <a:t>TypeSafe</a:t>
-            </a:r>
-            <a:endParaRPr lang="en-US" dirty="0"/>
+              <a:t>Built-in Server </a:t>
+            </a:r>
+          </a:p>
+          <a:p>
+            <a:r>
+              <a:rPr lang="en-US" dirty="0"/>
+              <a:t>Server-Side Rendering to store static web pages</a:t>
+            </a:r>
+          </a:p>
+          <a:p>
+            <a:r>
+              <a:rPr lang="en-US" dirty="0"/>
+              <a:t>React Familiarity</a:t>
+            </a:r>
           </a:p>
         </p:txBody>
       </p:sp>
     </p:spTree>
     <p:extLst>
       <p:ext uri="{BB962C8B-B14F-4D97-AF65-F5344CB8AC3E}">
-        <p14:creationId xmlns:p14="http://schemas.microsoft.com/office/powerpoint/2010/main" val="1409594824"/>
+        <p14:creationId xmlns:p14="http://schemas.microsoft.com/office/powerpoint/2010/main" val="205826210"/>
       </p:ext>
     </p:extLst>
   </p:cSld>
@@ -6671,7 +6747,7 @@
           <p:cNvPr id="2" name="Title 1">
             <a:extLst>
               <a:ext uri="{FF2B5EF4-FFF2-40B4-BE49-F238E27FC236}">
-                <a16:creationId xmlns:a16="http://schemas.microsoft.com/office/drawing/2014/main" id="{864BABE2-33AA-5A20-3D6B-86ACB5FE34A1}"/>
+                <a16:creationId xmlns:a16="http://schemas.microsoft.com/office/drawing/2014/main" id="{BFF349D8-8A73-6EAE-1FBF-CFC5D5C54A32}"/>
               </a:ext>
             </a:extLst>
           </p:cNvPr>
@@ -6693,7 +6769,7 @@
                   <a:schemeClr val="tx1"/>
                 </a:solidFill>
               </a:rPr>
-              <a:t>Why Zod</a:t>
+              <a:t>Why Prisma</a:t>
             </a:r>
           </a:p>
         </p:txBody>
@@ -6703,7 +6779,7 @@
           <p:cNvPr id="3" name="Content Placeholder 2">
             <a:extLst>
               <a:ext uri="{FF2B5EF4-FFF2-40B4-BE49-F238E27FC236}">
-                <a16:creationId xmlns:a16="http://schemas.microsoft.com/office/drawing/2014/main" id="{66482476-E278-44B5-FB7C-FFE2E87592F2}"/>
+                <a16:creationId xmlns:a16="http://schemas.microsoft.com/office/drawing/2014/main" id="{EF1DE37F-CC33-947A-CD29-B0214495BF32}"/>
               </a:ext>
             </a:extLst>
           </p:cNvPr>
@@ -6721,26 +6797,20 @@
           <a:p>
             <a:r>
               <a:rPr lang="en-US" dirty="0"/>
-              <a:t>Runtime Script Validation for TypeScript</a:t>
+              <a:t>Continue using an Object Oriented Paradigm</a:t>
             </a:r>
           </a:p>
           <a:p>
             <a:r>
               <a:rPr lang="en-US" dirty="0"/>
-              <a:t>Very Useful for APIs to safely know what object an API is expecting and outputting</a:t>
+              <a:t>Single Source of Truth</a:t>
             </a:r>
           </a:p>
           <a:p>
             <a:r>
               <a:rPr lang="en-US" dirty="0" err="1"/>
-              <a:t>SafeParse</a:t>
-            </a:r>
-            <a:r>
-              <a:rPr lang="en-US" dirty="0"/>
-              <a:t>() – allows to query or get an object without handling an error. Shall Return 400</a:t>
-            </a:r>
-          </a:p>
-          <a:p>
+              <a:t>TypeSafe</a:t>
+            </a:r>
             <a:endParaRPr lang="en-US" dirty="0"/>
           </a:p>
         </p:txBody>
@@ -6748,7 +6818,7 @@
     </p:spTree>
     <p:extLst>
       <p:ext uri="{BB962C8B-B14F-4D97-AF65-F5344CB8AC3E}">
-        <p14:creationId xmlns:p14="http://schemas.microsoft.com/office/powerpoint/2010/main" val="3060156388"/>
+        <p14:creationId xmlns:p14="http://schemas.microsoft.com/office/powerpoint/2010/main" val="1409594824"/>
       </p:ext>
     </p:extLst>
   </p:cSld>
